--- a/Geração de GIFs.pptx
+++ b/Geração de GIFs.pptx
@@ -2992,8 +2992,8 @@
         </p:nvSpPr>
         <p:spPr>
           <a:xfrm>
-            <a:off x="-1" y="-1"/>
-            <a:ext cx="18000663" cy="10799763"/>
+            <a:off x="100014" y="-1"/>
+            <a:ext cx="17773650" cy="10799763"/>
           </a:xfrm>
           <a:prstGeom prst="roundRect">
             <a:avLst>

--- a/Geração de GIFs.pptx
+++ b/Geração de GIFs.pptx
@@ -2992,8 +2992,8 @@
         </p:nvSpPr>
         <p:spPr>
           <a:xfrm>
-            <a:off x="100014" y="-1"/>
-            <a:ext cx="17773650" cy="10799763"/>
+            <a:off x="1" y="-1"/>
+            <a:ext cx="18000662" cy="10799763"/>
           </a:xfrm>
           <a:prstGeom prst="roundRect">
             <a:avLst>
@@ -3001,7 +3001,7 @@
             </a:avLst>
           </a:prstGeom>
           <a:noFill/>
-          <a:ln w="76200">
+          <a:ln w="38100">
             <a:solidFill>
               <a:srgbClr val="FBBC04"/>
             </a:solidFill>

--- a/Geração de GIFs.pptx
+++ b/Geração de GIFs.pptx
@@ -2978,60 +2978,117 @@
           <a:chExt cx="0" cy="0"/>
         </a:xfrm>
       </p:grpSpPr>
-      <p:sp>
-        <p:nvSpPr>
-          <p:cNvPr id="26" name="Retângulo: Cantos Arredondados 25">
+      <p:grpSp>
+        <p:nvGrpSpPr>
+          <p:cNvPr id="29" name="Agrupar 28">
             <a:extLst>
               <a:ext uri="{FF2B5EF4-FFF2-40B4-BE49-F238E27FC236}">
-                <a16:creationId xmlns:a16="http://schemas.microsoft.com/office/drawing/2014/main" id="{19596D78-7AD8-A837-6C35-F1EC8913E405}"/>
+                <a16:creationId xmlns:a16="http://schemas.microsoft.com/office/drawing/2014/main" id="{6B8A6658-7739-135C-0E40-17C1C72C6370}"/>
               </a:ext>
             </a:extLst>
           </p:cNvPr>
-          <p:cNvSpPr/>
+          <p:cNvGrpSpPr/>
           <p:nvPr/>
-        </p:nvSpPr>
-        <p:spPr>
+        </p:nvGrpSpPr>
+        <p:grpSpPr>
           <a:xfrm>
-            <a:off x="1" y="-1"/>
-            <a:ext cx="18000662" cy="10799763"/>
+            <a:off x="142875" y="-1"/>
+            <a:ext cx="17730788" cy="10799763"/>
+            <a:chOff x="1" y="-1"/>
+            <a:chExt cx="18000662" cy="10799763"/>
           </a:xfrm>
-          <a:prstGeom prst="roundRect">
-            <a:avLst>
-              <a:gd name="adj" fmla="val 17461"/>
-            </a:avLst>
-          </a:prstGeom>
-          <a:noFill/>
-          <a:ln w="38100">
-            <a:solidFill>
-              <a:srgbClr val="FBBC04"/>
-            </a:solidFill>
-          </a:ln>
-        </p:spPr>
-        <p:style>
-          <a:lnRef idx="2">
-            <a:schemeClr val="accent1">
-              <a:shade val="15000"/>
-            </a:schemeClr>
-          </a:lnRef>
-          <a:fillRef idx="1">
-            <a:schemeClr val="accent1"/>
-          </a:fillRef>
-          <a:effectRef idx="0">
-            <a:schemeClr val="accent1"/>
-          </a:effectRef>
-          <a:fontRef idx="minor">
-            <a:schemeClr val="lt1"/>
-          </a:fontRef>
-        </p:style>
-        <p:txBody>
-          <a:bodyPr rtlCol="0" anchor="ctr"/>
-          <a:lstStyle/>
-          <a:p>
-            <a:pPr algn="ctr"/>
-            <a:endParaRPr lang="pt-BR" dirty="0"/>
-          </a:p>
-        </p:txBody>
-      </p:sp>
+        </p:grpSpPr>
+        <p:sp>
+          <p:nvSpPr>
+            <p:cNvPr id="26" name="Retângulo: Cantos Arredondados 25">
+              <a:extLst>
+                <a:ext uri="{FF2B5EF4-FFF2-40B4-BE49-F238E27FC236}">
+                  <a16:creationId xmlns:a16="http://schemas.microsoft.com/office/drawing/2014/main" id="{19596D78-7AD8-A837-6C35-F1EC8913E405}"/>
+                </a:ext>
+              </a:extLst>
+            </p:cNvPr>
+            <p:cNvSpPr/>
+            <p:nvPr/>
+          </p:nvSpPr>
+          <p:spPr>
+            <a:xfrm>
+              <a:off x="1" y="-1"/>
+              <a:ext cx="18000662" cy="10799763"/>
+            </a:xfrm>
+            <a:prstGeom prst="roundRect">
+              <a:avLst>
+                <a:gd name="adj" fmla="val 17461"/>
+              </a:avLst>
+            </a:prstGeom>
+            <a:noFill/>
+            <a:ln w="254000">
+              <a:solidFill>
+                <a:srgbClr val="FBBC04"/>
+              </a:solidFill>
+            </a:ln>
+          </p:spPr>
+          <p:style>
+            <a:lnRef idx="2">
+              <a:schemeClr val="accent1">
+                <a:shade val="15000"/>
+              </a:schemeClr>
+            </a:lnRef>
+            <a:fillRef idx="1">
+              <a:schemeClr val="accent1"/>
+            </a:fillRef>
+            <a:effectRef idx="0">
+              <a:schemeClr val="accent1"/>
+            </a:effectRef>
+            <a:fontRef idx="minor">
+              <a:schemeClr val="lt1"/>
+            </a:fontRef>
+          </p:style>
+          <p:txBody>
+            <a:bodyPr rtlCol="0" anchor="ctr"/>
+            <a:lstStyle/>
+            <a:p>
+              <a:pPr algn="ctr"/>
+              <a:endParaRPr lang="pt-BR" dirty="0"/>
+            </a:p>
+          </p:txBody>
+        </p:sp>
+        <p:pic>
+          <p:nvPicPr>
+            <p:cNvPr id="28" name="Imagem 27" descr="Ícone&#10;&#10;O conteúdo gerado por IA pode estar incorreto.">
+              <a:extLst>
+                <a:ext uri="{FF2B5EF4-FFF2-40B4-BE49-F238E27FC236}">
+                  <a16:creationId xmlns:a16="http://schemas.microsoft.com/office/drawing/2014/main" id="{2CB71402-2581-1065-D909-391CE8216728}"/>
+                </a:ext>
+              </a:extLst>
+            </p:cNvPr>
+            <p:cNvPicPr>
+              <a:picLocks noChangeAspect="1"/>
+            </p:cNvPicPr>
+            <p:nvPr/>
+          </p:nvPicPr>
+          <p:blipFill>
+            <a:blip r:embed="rId2">
+              <a:extLst>
+                <a:ext uri="{28A0092B-C50C-407E-A947-70E740481C1C}">
+                  <a14:useLocalDpi xmlns:a14="http://schemas.microsoft.com/office/drawing/2010/main" val="0"/>
+                </a:ext>
+              </a:extLst>
+            </a:blip>
+            <a:stretch>
+              <a:fillRect/>
+            </a:stretch>
+          </p:blipFill>
+          <p:spPr>
+            <a:xfrm>
+              <a:off x="490049" y="3771899"/>
+              <a:ext cx="3353289" cy="3357564"/>
+            </a:xfrm>
+            <a:prstGeom prst="rect">
+              <a:avLst/>
+            </a:prstGeom>
+          </p:spPr>
+        </p:pic>
+      </p:grpSp>
     </p:spTree>
     <p:extLst>
       <p:ext uri="{BB962C8B-B14F-4D97-AF65-F5344CB8AC3E}">
@@ -3063,7 +3120,7 @@
                             </p:stCondLst>
                             <p:childTnLst>
                               <p:par>
-                                <p:cTn id="5" presetID="1" presetClass="entr" presetSubtype="0" fill="hold" grpId="0" nodeType="clickEffect">
+                                <p:cTn id="5" presetID="1" presetClass="entr" presetSubtype="0" fill="hold" nodeType="clickEffect">
                                   <p:stCondLst>
                                     <p:cond delay="0"/>
                                   </p:stCondLst>
@@ -3076,7 +3133,7 @@
                                           </p:stCondLst>
                                         </p:cTn>
                                         <p:tgtEl>
-                                          <p:spTgt spid="26"/>
+                                          <p:spTgt spid="29"/>
                                         </p:tgtEl>
                                         <p:attrNameLst>
                                           <p:attrName>style.visibility</p:attrName>
@@ -3116,9 +3173,6 @@
         </p:cTn>
       </p:par>
     </p:tnLst>
-    <p:bldLst>
-      <p:bldP spid="26" grpId="0" animBg="1"/>
-    </p:bldLst>
   </p:timing>
 </p:sld>
 </file>

--- a/Geração de GIFs.pptx
+++ b/Geração de GIFs.pptx
@@ -3023,7 +3023,7 @@
             <a:noFill/>
             <a:ln w="254000">
               <a:solidFill>
-                <a:srgbClr val="FBBC04"/>
+                <a:srgbClr val="EB0039"/>
               </a:solidFill>
             </a:ln>
           </p:spPr>
@@ -3086,6 +3086,11 @@
             <a:prstGeom prst="rect">
               <a:avLst/>
             </a:prstGeom>
+            <a:ln>
+              <a:solidFill>
+                <a:srgbClr val="EB0039"/>
+              </a:solidFill>
+            </a:ln>
           </p:spPr>
         </p:pic>
       </p:grpSp>

--- a/Geração de GIFs.pptx
+++ b/Geração de GIFs.pptx
@@ -3087,9 +3087,7 @@
               <a:avLst/>
             </a:prstGeom>
             <a:ln>
-              <a:solidFill>
-                <a:srgbClr val="EB0039"/>
-              </a:solidFill>
+              <a:noFill/>
             </a:ln>
           </p:spPr>
         </p:pic>

--- a/Geração de GIFs.pptx
+++ b/Geração de GIFs.pptx
@@ -6,6 +6,8 @@
   </p:sldMasterIdLst>
   <p:sldIdLst>
     <p:sldId id="256" r:id="rId2"/>
+    <p:sldId id="257" r:id="rId3"/>
+    <p:sldId id="258" r:id="rId4"/>
   </p:sldIdLst>
   <p:sldSz cx="18000663" cy="10799763"/>
   <p:notesSz cx="6858000" cy="9144000"/>
@@ -104,6 +106,11 @@
       </a:defRPr>
     </a:lvl9pPr>
   </p:defaultTextStyle>
+  <p:extLst>
+    <p:ext uri="{EFAFB233-063F-42B5-8137-9DF3F51BA10A}">
+      <p15:sldGuideLst xmlns:p15="http://schemas.microsoft.com/office/powerpoint/2012/main"/>
+    </p:ext>
+  </p:extLst>
 </p:presentation>
 </file>
 
@@ -238,7 +245,7 @@
           <a:p>
             <a:fld id="{C6B90F7B-D1FB-4C1A-BB3A-F7998FE53825}" type="datetimeFigureOut">
               <a:rPr lang="pt-BR" smtClean="0"/>
-              <a:t>08/11/2025</a:t>
+              <a:t>13/11/2025</a:t>
             </a:fld>
             <a:endParaRPr lang="pt-BR"/>
           </a:p>
@@ -408,7 +415,7 @@
           <a:p>
             <a:fld id="{C6B90F7B-D1FB-4C1A-BB3A-F7998FE53825}" type="datetimeFigureOut">
               <a:rPr lang="pt-BR" smtClean="0"/>
-              <a:t>08/11/2025</a:t>
+              <a:t>13/11/2025</a:t>
             </a:fld>
             <a:endParaRPr lang="pt-BR"/>
           </a:p>
@@ -588,7 +595,7 @@
           <a:p>
             <a:fld id="{C6B90F7B-D1FB-4C1A-BB3A-F7998FE53825}" type="datetimeFigureOut">
               <a:rPr lang="pt-BR" smtClean="0"/>
-              <a:t>08/11/2025</a:t>
+              <a:t>13/11/2025</a:t>
             </a:fld>
             <a:endParaRPr lang="pt-BR"/>
           </a:p>
@@ -758,7 +765,7 @@
           <a:p>
             <a:fld id="{C6B90F7B-D1FB-4C1A-BB3A-F7998FE53825}" type="datetimeFigureOut">
               <a:rPr lang="pt-BR" smtClean="0"/>
-              <a:t>08/11/2025</a:t>
+              <a:t>13/11/2025</a:t>
             </a:fld>
             <a:endParaRPr lang="pt-BR"/>
           </a:p>
@@ -1004,7 +1011,7 @@
           <a:p>
             <a:fld id="{C6B90F7B-D1FB-4C1A-BB3A-F7998FE53825}" type="datetimeFigureOut">
               <a:rPr lang="pt-BR" smtClean="0"/>
-              <a:t>08/11/2025</a:t>
+              <a:t>13/11/2025</a:t>
             </a:fld>
             <a:endParaRPr lang="pt-BR"/>
           </a:p>
@@ -1236,7 +1243,7 @@
           <a:p>
             <a:fld id="{C6B90F7B-D1FB-4C1A-BB3A-F7998FE53825}" type="datetimeFigureOut">
               <a:rPr lang="pt-BR" smtClean="0"/>
-              <a:t>08/11/2025</a:t>
+              <a:t>13/11/2025</a:t>
             </a:fld>
             <a:endParaRPr lang="pt-BR"/>
           </a:p>
@@ -1603,7 +1610,7 @@
           <a:p>
             <a:fld id="{C6B90F7B-D1FB-4C1A-BB3A-F7998FE53825}" type="datetimeFigureOut">
               <a:rPr lang="pt-BR" smtClean="0"/>
-              <a:t>08/11/2025</a:t>
+              <a:t>13/11/2025</a:t>
             </a:fld>
             <a:endParaRPr lang="pt-BR"/>
           </a:p>
@@ -1721,7 +1728,7 @@
           <a:p>
             <a:fld id="{C6B90F7B-D1FB-4C1A-BB3A-F7998FE53825}" type="datetimeFigureOut">
               <a:rPr lang="pt-BR" smtClean="0"/>
-              <a:t>08/11/2025</a:t>
+              <a:t>13/11/2025</a:t>
             </a:fld>
             <a:endParaRPr lang="pt-BR"/>
           </a:p>
@@ -1816,7 +1823,7 @@
           <a:p>
             <a:fld id="{C6B90F7B-D1FB-4C1A-BB3A-F7998FE53825}" type="datetimeFigureOut">
               <a:rPr lang="pt-BR" smtClean="0"/>
-              <a:t>08/11/2025</a:t>
+              <a:t>13/11/2025</a:t>
             </a:fld>
             <a:endParaRPr lang="pt-BR"/>
           </a:p>
@@ -2093,7 +2100,7 @@
           <a:p>
             <a:fld id="{C6B90F7B-D1FB-4C1A-BB3A-F7998FE53825}" type="datetimeFigureOut">
               <a:rPr lang="pt-BR" smtClean="0"/>
-              <a:t>08/11/2025</a:t>
+              <a:t>13/11/2025</a:t>
             </a:fld>
             <a:endParaRPr lang="pt-BR"/>
           </a:p>
@@ -2350,7 +2357,7 @@
           <a:p>
             <a:fld id="{C6B90F7B-D1FB-4C1A-BB3A-F7998FE53825}" type="datetimeFigureOut">
               <a:rPr lang="pt-BR" smtClean="0"/>
-              <a:t>08/11/2025</a:t>
+              <a:t>13/11/2025</a:t>
             </a:fld>
             <a:endParaRPr lang="pt-BR"/>
           </a:p>
@@ -2563,7 +2570,7 @@
           <a:p>
             <a:fld id="{C6B90F7B-D1FB-4C1A-BB3A-F7998FE53825}" type="datetimeFigureOut">
               <a:rPr lang="pt-BR" smtClean="0"/>
-              <a:t>08/11/2025</a:t>
+              <a:t>13/11/2025</a:t>
             </a:fld>
             <a:endParaRPr lang="pt-BR"/>
           </a:p>
@@ -3180,6 +3187,262 @@
 </p:sld>
 </file>
 
+<file path=ppt/slides/slide2.xml><?xml version="1.0" encoding="utf-8"?>
+<p:sld xmlns:a="http://schemas.openxmlformats.org/drawingml/2006/main" xmlns:r="http://schemas.openxmlformats.org/officeDocument/2006/relationships" xmlns:p="http://schemas.openxmlformats.org/presentationml/2006/main">
+  <p:cSld>
+    <p:spTree>
+      <p:nvGrpSpPr>
+        <p:cNvPr id="1" name=""/>
+        <p:cNvGrpSpPr/>
+        <p:nvPr/>
+      </p:nvGrpSpPr>
+      <p:grpSpPr>
+        <a:xfrm>
+          <a:off x="0" y="0"/>
+          <a:ext cx="0" cy="0"/>
+          <a:chOff x="0" y="0"/>
+          <a:chExt cx="0" cy="0"/>
+        </a:xfrm>
+      </p:grpSpPr>
+      <p:sp>
+        <p:nvSpPr>
+          <p:cNvPr id="4" name="Retângulo: Cantos Arredondados 3">
+            <a:extLst>
+              <a:ext uri="{FF2B5EF4-FFF2-40B4-BE49-F238E27FC236}">
+                <a16:creationId xmlns:a16="http://schemas.microsoft.com/office/drawing/2014/main" id="{0F091B4C-407A-53BF-8FBF-BCD42F15CB29}"/>
+              </a:ext>
+            </a:extLst>
+          </p:cNvPr>
+          <p:cNvSpPr/>
+          <p:nvPr/>
+        </p:nvSpPr>
+        <p:spPr>
+          <a:xfrm>
+            <a:off x="0" y="-1"/>
+            <a:ext cx="18000663" cy="10799763"/>
+          </a:xfrm>
+          <a:prstGeom prst="roundRect">
+            <a:avLst>
+              <a:gd name="adj" fmla="val 17461"/>
+            </a:avLst>
+          </a:prstGeom>
+          <a:solidFill>
+            <a:srgbClr val="EB7900"/>
+          </a:solidFill>
+          <a:ln w="254000">
+            <a:noFill/>
+          </a:ln>
+        </p:spPr>
+        <p:style>
+          <a:lnRef idx="2">
+            <a:schemeClr val="accent1">
+              <a:shade val="15000"/>
+            </a:schemeClr>
+          </a:lnRef>
+          <a:fillRef idx="1">
+            <a:schemeClr val="accent1"/>
+          </a:fillRef>
+          <a:effectRef idx="0">
+            <a:schemeClr val="accent1"/>
+          </a:effectRef>
+          <a:fontRef idx="minor">
+            <a:schemeClr val="lt1"/>
+          </a:fontRef>
+        </p:style>
+        <p:txBody>
+          <a:bodyPr rtlCol="0" anchor="ctr"/>
+          <a:lstStyle/>
+          <a:p>
+            <a:pPr algn="ctr"/>
+            <a:endParaRPr lang="pt-BR" dirty="0"/>
+          </a:p>
+        </p:txBody>
+      </p:sp>
+    </p:spTree>
+    <p:extLst>
+      <p:ext uri="{BB962C8B-B14F-4D97-AF65-F5344CB8AC3E}">
+        <p14:creationId xmlns:p14="http://schemas.microsoft.com/office/powerpoint/2010/main" val="2132018716"/>
+      </p:ext>
+    </p:extLst>
+  </p:cSld>
+  <p:clrMapOvr>
+    <a:masterClrMapping/>
+  </p:clrMapOvr>
+  <p:timing>
+    <p:tnLst>
+      <p:par>
+        <p:cTn id="1" dur="indefinite" restart="never" nodeType="tmRoot">
+          <p:childTnLst>
+            <p:seq concurrent="1" nextAc="seek">
+              <p:cTn id="2" dur="indefinite" nodeType="mainSeq">
+                <p:childTnLst>
+                  <p:par>
+                    <p:cTn id="3" fill="hold">
+                      <p:stCondLst>
+                        <p:cond delay="indefinite"/>
+                      </p:stCondLst>
+                      <p:childTnLst>
+                        <p:par>
+                          <p:cTn id="4" fill="hold">
+                            <p:stCondLst>
+                              <p:cond delay="0"/>
+                            </p:stCondLst>
+                            <p:childTnLst>
+                              <p:par>
+                                <p:cTn id="5" presetID="1" presetClass="entr" presetSubtype="0" fill="hold" grpId="0" nodeType="clickEffect">
+                                  <p:stCondLst>
+                                    <p:cond delay="0"/>
+                                  </p:stCondLst>
+                                  <p:childTnLst>
+                                    <p:set>
+                                      <p:cBhvr>
+                                        <p:cTn id="6" dur="1" fill="hold">
+                                          <p:stCondLst>
+                                            <p:cond delay="0"/>
+                                          </p:stCondLst>
+                                        </p:cTn>
+                                        <p:tgtEl>
+                                          <p:spTgt spid="4"/>
+                                        </p:tgtEl>
+                                        <p:attrNameLst>
+                                          <p:attrName>style.visibility</p:attrName>
+                                        </p:attrNameLst>
+                                      </p:cBhvr>
+                                      <p:to>
+                                        <p:strVal val="visible"/>
+                                      </p:to>
+                                    </p:set>
+                                  </p:childTnLst>
+                                </p:cTn>
+                              </p:par>
+                            </p:childTnLst>
+                          </p:cTn>
+                        </p:par>
+                      </p:childTnLst>
+                    </p:cTn>
+                  </p:par>
+                </p:childTnLst>
+              </p:cTn>
+              <p:prevCondLst>
+                <p:cond evt="onPrev" delay="0">
+                  <p:tgtEl>
+                    <p:sldTgt/>
+                  </p:tgtEl>
+                </p:cond>
+              </p:prevCondLst>
+              <p:nextCondLst>
+                <p:cond evt="onNext" delay="0">
+                  <p:tgtEl>
+                    <p:sldTgt/>
+                  </p:tgtEl>
+                </p:cond>
+              </p:nextCondLst>
+            </p:seq>
+          </p:childTnLst>
+        </p:cTn>
+      </p:par>
+    </p:tnLst>
+    <p:bldLst>
+      <p:bldP spid="4" grpId="0" animBg="1"/>
+    </p:bldLst>
+  </p:timing>
+</p:sld>
+</file>
+
+<file path=ppt/slides/slide3.xml><?xml version="1.0" encoding="utf-8"?>
+<p:sld xmlns:a="http://schemas.openxmlformats.org/drawingml/2006/main" xmlns:r="http://schemas.openxmlformats.org/officeDocument/2006/relationships" xmlns:p="http://schemas.openxmlformats.org/presentationml/2006/main">
+  <p:cSld>
+    <p:spTree>
+      <p:nvGrpSpPr>
+        <p:cNvPr id="1" name="">
+          <a:extLst>
+            <a:ext uri="{FF2B5EF4-FFF2-40B4-BE49-F238E27FC236}">
+              <a16:creationId xmlns:a16="http://schemas.microsoft.com/office/drawing/2014/main" id="{3F39ACE0-D71C-99D7-192C-3596DC2CD3ED}"/>
+            </a:ext>
+          </a:extLst>
+        </p:cNvPr>
+        <p:cNvGrpSpPr/>
+        <p:nvPr/>
+      </p:nvGrpSpPr>
+      <p:grpSpPr>
+        <a:xfrm>
+          <a:off x="0" y="0"/>
+          <a:ext cx="0" cy="0"/>
+          <a:chOff x="0" y="0"/>
+          <a:chExt cx="0" cy="0"/>
+        </a:xfrm>
+      </p:grpSpPr>
+      <p:sp>
+        <p:nvSpPr>
+          <p:cNvPr id="4" name="Retângulo: Cantos Arredondados 3">
+            <a:extLst>
+              <a:ext uri="{FF2B5EF4-FFF2-40B4-BE49-F238E27FC236}">
+                <a16:creationId xmlns:a16="http://schemas.microsoft.com/office/drawing/2014/main" id="{9FB5C796-FB7E-5359-68EF-45446616F672}"/>
+              </a:ext>
+            </a:extLst>
+          </p:cNvPr>
+          <p:cNvSpPr/>
+          <p:nvPr/>
+        </p:nvSpPr>
+        <p:spPr>
+          <a:xfrm>
+            <a:off x="0" y="-1"/>
+            <a:ext cx="18000663" cy="10799763"/>
+          </a:xfrm>
+          <a:prstGeom prst="roundRect">
+            <a:avLst>
+              <a:gd name="adj" fmla="val 17461"/>
+            </a:avLst>
+          </a:prstGeom>
+          <a:solidFill>
+            <a:srgbClr val="EB0039"/>
+          </a:solidFill>
+          <a:ln w="254000">
+            <a:noFill/>
+          </a:ln>
+        </p:spPr>
+        <p:style>
+          <a:lnRef idx="2">
+            <a:schemeClr val="accent1">
+              <a:shade val="15000"/>
+            </a:schemeClr>
+          </a:lnRef>
+          <a:fillRef idx="1">
+            <a:schemeClr val="accent1"/>
+          </a:fillRef>
+          <a:effectRef idx="0">
+            <a:schemeClr val="accent1"/>
+          </a:effectRef>
+          <a:fontRef idx="minor">
+            <a:schemeClr val="lt1"/>
+          </a:fontRef>
+        </p:style>
+        <p:txBody>
+          <a:bodyPr rtlCol="0" anchor="ctr"/>
+          <a:lstStyle/>
+          <a:p>
+            <a:pPr algn="ctr"/>
+            <a:endParaRPr lang="pt-BR" dirty="0">
+              <a:solidFill>
+                <a:srgbClr val="EB0039"/>
+              </a:solidFill>
+            </a:endParaRPr>
+          </a:p>
+        </p:txBody>
+      </p:sp>
+    </p:spTree>
+    <p:extLst>
+      <p:ext uri="{BB962C8B-B14F-4D97-AF65-F5344CB8AC3E}">
+        <p14:creationId xmlns:p14="http://schemas.microsoft.com/office/powerpoint/2010/main" val="1541676612"/>
+      </p:ext>
+    </p:extLst>
+  </p:cSld>
+  <p:clrMapOvr>
+    <a:masterClrMapping/>
+  </p:clrMapOvr>
+</p:sld>
+</file>
+
 <file path=ppt/theme/theme1.xml><?xml version="1.0" encoding="utf-8"?>
 <a:theme xmlns:a="http://schemas.openxmlformats.org/drawingml/2006/main" name="Tema do Office">
   <a:themeElements>

--- a/Geração de GIFs.pptx
+++ b/Geração de GIFs.pptx
@@ -245,7 +245,7 @@
           <a:p>
             <a:fld id="{C6B90F7B-D1FB-4C1A-BB3A-F7998FE53825}" type="datetimeFigureOut">
               <a:rPr lang="pt-BR" smtClean="0"/>
-              <a:t>13/11/2025</a:t>
+              <a:t>14/11/2025</a:t>
             </a:fld>
             <a:endParaRPr lang="pt-BR"/>
           </a:p>
@@ -415,7 +415,7 @@
           <a:p>
             <a:fld id="{C6B90F7B-D1FB-4C1A-BB3A-F7998FE53825}" type="datetimeFigureOut">
               <a:rPr lang="pt-BR" smtClean="0"/>
-              <a:t>13/11/2025</a:t>
+              <a:t>14/11/2025</a:t>
             </a:fld>
             <a:endParaRPr lang="pt-BR"/>
           </a:p>
@@ -595,7 +595,7 @@
           <a:p>
             <a:fld id="{C6B90F7B-D1FB-4C1A-BB3A-F7998FE53825}" type="datetimeFigureOut">
               <a:rPr lang="pt-BR" smtClean="0"/>
-              <a:t>13/11/2025</a:t>
+              <a:t>14/11/2025</a:t>
             </a:fld>
             <a:endParaRPr lang="pt-BR"/>
           </a:p>
@@ -765,7 +765,7 @@
           <a:p>
             <a:fld id="{C6B90F7B-D1FB-4C1A-BB3A-F7998FE53825}" type="datetimeFigureOut">
               <a:rPr lang="pt-BR" smtClean="0"/>
-              <a:t>13/11/2025</a:t>
+              <a:t>14/11/2025</a:t>
             </a:fld>
             <a:endParaRPr lang="pt-BR"/>
           </a:p>
@@ -1011,7 +1011,7 @@
           <a:p>
             <a:fld id="{C6B90F7B-D1FB-4C1A-BB3A-F7998FE53825}" type="datetimeFigureOut">
               <a:rPr lang="pt-BR" smtClean="0"/>
-              <a:t>13/11/2025</a:t>
+              <a:t>14/11/2025</a:t>
             </a:fld>
             <a:endParaRPr lang="pt-BR"/>
           </a:p>
@@ -1243,7 +1243,7 @@
           <a:p>
             <a:fld id="{C6B90F7B-D1FB-4C1A-BB3A-F7998FE53825}" type="datetimeFigureOut">
               <a:rPr lang="pt-BR" smtClean="0"/>
-              <a:t>13/11/2025</a:t>
+              <a:t>14/11/2025</a:t>
             </a:fld>
             <a:endParaRPr lang="pt-BR"/>
           </a:p>
@@ -1610,7 +1610,7 @@
           <a:p>
             <a:fld id="{C6B90F7B-D1FB-4C1A-BB3A-F7998FE53825}" type="datetimeFigureOut">
               <a:rPr lang="pt-BR" smtClean="0"/>
-              <a:t>13/11/2025</a:t>
+              <a:t>14/11/2025</a:t>
             </a:fld>
             <a:endParaRPr lang="pt-BR"/>
           </a:p>
@@ -1728,7 +1728,7 @@
           <a:p>
             <a:fld id="{C6B90F7B-D1FB-4C1A-BB3A-F7998FE53825}" type="datetimeFigureOut">
               <a:rPr lang="pt-BR" smtClean="0"/>
-              <a:t>13/11/2025</a:t>
+              <a:t>14/11/2025</a:t>
             </a:fld>
             <a:endParaRPr lang="pt-BR"/>
           </a:p>
@@ -1823,7 +1823,7 @@
           <a:p>
             <a:fld id="{C6B90F7B-D1FB-4C1A-BB3A-F7998FE53825}" type="datetimeFigureOut">
               <a:rPr lang="pt-BR" smtClean="0"/>
-              <a:t>13/11/2025</a:t>
+              <a:t>14/11/2025</a:t>
             </a:fld>
             <a:endParaRPr lang="pt-BR"/>
           </a:p>
@@ -2100,7 +2100,7 @@
           <a:p>
             <a:fld id="{C6B90F7B-D1FB-4C1A-BB3A-F7998FE53825}" type="datetimeFigureOut">
               <a:rPr lang="pt-BR" smtClean="0"/>
-              <a:t>13/11/2025</a:t>
+              <a:t>14/11/2025</a:t>
             </a:fld>
             <a:endParaRPr lang="pt-BR"/>
           </a:p>
@@ -2357,7 +2357,7 @@
           <a:p>
             <a:fld id="{C6B90F7B-D1FB-4C1A-BB3A-F7998FE53825}" type="datetimeFigureOut">
               <a:rPr lang="pt-BR" smtClean="0"/>
-              <a:t>13/11/2025</a:t>
+              <a:t>14/11/2025</a:t>
             </a:fld>
             <a:endParaRPr lang="pt-BR"/>
           </a:p>
@@ -2570,7 +2570,7 @@
           <a:p>
             <a:fld id="{C6B90F7B-D1FB-4C1A-BB3A-F7998FE53825}" type="datetimeFigureOut">
               <a:rPr lang="pt-BR" smtClean="0"/>
-              <a:t>13/11/2025</a:t>
+              <a:t>14/11/2025</a:t>
             </a:fld>
             <a:endParaRPr lang="pt-BR"/>
           </a:p>
@@ -3440,6 +3440,84 @@
   <p:clrMapOvr>
     <a:masterClrMapping/>
   </p:clrMapOvr>
+  <p:timing>
+    <p:tnLst>
+      <p:par>
+        <p:cTn id="1" dur="indefinite" restart="never" nodeType="tmRoot">
+          <p:childTnLst>
+            <p:seq concurrent="1" nextAc="seek">
+              <p:cTn id="2" dur="indefinite" nodeType="mainSeq">
+                <p:childTnLst>
+                  <p:par>
+                    <p:cTn id="3" fill="hold">
+                      <p:stCondLst>
+                        <p:cond delay="indefinite"/>
+                      </p:stCondLst>
+                      <p:childTnLst>
+                        <p:par>
+                          <p:cTn id="4" fill="hold">
+                            <p:stCondLst>
+                              <p:cond delay="0"/>
+                            </p:stCondLst>
+                            <p:childTnLst>
+                              <p:par>
+                                <p:cTn id="5" presetID="1" presetClass="entr" presetSubtype="0" fill="hold" grpId="0" nodeType="clickEffect">
+                                  <p:stCondLst>
+                                    <p:cond delay="0"/>
+                                  </p:stCondLst>
+                                  <p:childTnLst>
+                                    <p:set>
+                                      <p:cBhvr>
+                                        <p:cTn id="6" dur="1" fill="hold">
+                                          <p:stCondLst>
+                                            <p:cond delay="0"/>
+                                          </p:stCondLst>
+                                        </p:cTn>
+                                        <p:tgtEl>
+                                          <p:spTgt spid="4"/>
+                                        </p:tgtEl>
+                                        <p:attrNameLst>
+                                          <p:attrName>style.visibility</p:attrName>
+                                        </p:attrNameLst>
+                                      </p:cBhvr>
+                                      <p:to>
+                                        <p:strVal val="visible"/>
+                                      </p:to>
+                                    </p:set>
+                                  </p:childTnLst>
+                                </p:cTn>
+                              </p:par>
+                            </p:childTnLst>
+                          </p:cTn>
+                        </p:par>
+                      </p:childTnLst>
+                    </p:cTn>
+                  </p:par>
+                </p:childTnLst>
+              </p:cTn>
+              <p:prevCondLst>
+                <p:cond evt="onPrev" delay="0">
+                  <p:tgtEl>
+                    <p:sldTgt/>
+                  </p:tgtEl>
+                </p:cond>
+              </p:prevCondLst>
+              <p:nextCondLst>
+                <p:cond evt="onNext" delay="0">
+                  <p:tgtEl>
+                    <p:sldTgt/>
+                  </p:tgtEl>
+                </p:cond>
+              </p:nextCondLst>
+            </p:seq>
+          </p:childTnLst>
+        </p:cTn>
+      </p:par>
+    </p:tnLst>
+    <p:bldLst>
+      <p:bldP spid="4" grpId="0" animBg="1"/>
+    </p:bldLst>
+  </p:timing>
 </p:sld>
 </file>
 

--- a/Geração de GIFs.pptx
+++ b/Geração de GIFs.pptx
@@ -8,6 +8,8 @@
     <p:sldId id="256" r:id="rId2"/>
     <p:sldId id="257" r:id="rId3"/>
     <p:sldId id="258" r:id="rId4"/>
+    <p:sldId id="259" r:id="rId5"/>
+    <p:sldId id="260" r:id="rId6"/>
   </p:sldIdLst>
   <p:sldSz cx="18000663" cy="10799763"/>
   <p:notesSz cx="6858000" cy="9144000"/>
@@ -245,7 +247,7 @@
           <a:p>
             <a:fld id="{C6B90F7B-D1FB-4C1A-BB3A-F7998FE53825}" type="datetimeFigureOut">
               <a:rPr lang="pt-BR" smtClean="0"/>
-              <a:t>14/11/2025</a:t>
+              <a:t>18/11/2025</a:t>
             </a:fld>
             <a:endParaRPr lang="pt-BR"/>
           </a:p>
@@ -415,7 +417,7 @@
           <a:p>
             <a:fld id="{C6B90F7B-D1FB-4C1A-BB3A-F7998FE53825}" type="datetimeFigureOut">
               <a:rPr lang="pt-BR" smtClean="0"/>
-              <a:t>14/11/2025</a:t>
+              <a:t>18/11/2025</a:t>
             </a:fld>
             <a:endParaRPr lang="pt-BR"/>
           </a:p>
@@ -595,7 +597,7 @@
           <a:p>
             <a:fld id="{C6B90F7B-D1FB-4C1A-BB3A-F7998FE53825}" type="datetimeFigureOut">
               <a:rPr lang="pt-BR" smtClean="0"/>
-              <a:t>14/11/2025</a:t>
+              <a:t>18/11/2025</a:t>
             </a:fld>
             <a:endParaRPr lang="pt-BR"/>
           </a:p>
@@ -765,7 +767,7 @@
           <a:p>
             <a:fld id="{C6B90F7B-D1FB-4C1A-BB3A-F7998FE53825}" type="datetimeFigureOut">
               <a:rPr lang="pt-BR" smtClean="0"/>
-              <a:t>14/11/2025</a:t>
+              <a:t>18/11/2025</a:t>
             </a:fld>
             <a:endParaRPr lang="pt-BR"/>
           </a:p>
@@ -1011,7 +1013,7 @@
           <a:p>
             <a:fld id="{C6B90F7B-D1FB-4C1A-BB3A-F7998FE53825}" type="datetimeFigureOut">
               <a:rPr lang="pt-BR" smtClean="0"/>
-              <a:t>14/11/2025</a:t>
+              <a:t>18/11/2025</a:t>
             </a:fld>
             <a:endParaRPr lang="pt-BR"/>
           </a:p>
@@ -1243,7 +1245,7 @@
           <a:p>
             <a:fld id="{C6B90F7B-D1FB-4C1A-BB3A-F7998FE53825}" type="datetimeFigureOut">
               <a:rPr lang="pt-BR" smtClean="0"/>
-              <a:t>14/11/2025</a:t>
+              <a:t>18/11/2025</a:t>
             </a:fld>
             <a:endParaRPr lang="pt-BR"/>
           </a:p>
@@ -1610,7 +1612,7 @@
           <a:p>
             <a:fld id="{C6B90F7B-D1FB-4C1A-BB3A-F7998FE53825}" type="datetimeFigureOut">
               <a:rPr lang="pt-BR" smtClean="0"/>
-              <a:t>14/11/2025</a:t>
+              <a:t>18/11/2025</a:t>
             </a:fld>
             <a:endParaRPr lang="pt-BR"/>
           </a:p>
@@ -1728,7 +1730,7 @@
           <a:p>
             <a:fld id="{C6B90F7B-D1FB-4C1A-BB3A-F7998FE53825}" type="datetimeFigureOut">
               <a:rPr lang="pt-BR" smtClean="0"/>
-              <a:t>14/11/2025</a:t>
+              <a:t>18/11/2025</a:t>
             </a:fld>
             <a:endParaRPr lang="pt-BR"/>
           </a:p>
@@ -1823,7 +1825,7 @@
           <a:p>
             <a:fld id="{C6B90F7B-D1FB-4C1A-BB3A-F7998FE53825}" type="datetimeFigureOut">
               <a:rPr lang="pt-BR" smtClean="0"/>
-              <a:t>14/11/2025</a:t>
+              <a:t>18/11/2025</a:t>
             </a:fld>
             <a:endParaRPr lang="pt-BR"/>
           </a:p>
@@ -2100,7 +2102,7 @@
           <a:p>
             <a:fld id="{C6B90F7B-D1FB-4C1A-BB3A-F7998FE53825}" type="datetimeFigureOut">
               <a:rPr lang="pt-BR" smtClean="0"/>
-              <a:t>14/11/2025</a:t>
+              <a:t>18/11/2025</a:t>
             </a:fld>
             <a:endParaRPr lang="pt-BR"/>
           </a:p>
@@ -2357,7 +2359,7 @@
           <a:p>
             <a:fld id="{C6B90F7B-D1FB-4C1A-BB3A-F7998FE53825}" type="datetimeFigureOut">
               <a:rPr lang="pt-BR" smtClean="0"/>
-              <a:t>14/11/2025</a:t>
+              <a:t>18/11/2025</a:t>
             </a:fld>
             <a:endParaRPr lang="pt-BR"/>
           </a:p>
@@ -2570,7 +2572,7 @@
           <a:p>
             <a:fld id="{C6B90F7B-D1FB-4C1A-BB3A-F7998FE53825}" type="datetimeFigureOut">
               <a:rPr lang="pt-BR" smtClean="0"/>
-              <a:t>14/11/2025</a:t>
+              <a:t>18/11/2025</a:t>
             </a:fld>
             <a:endParaRPr lang="pt-BR"/>
           </a:p>
@@ -3521,6 +3523,264 @@
 </p:sld>
 </file>
 
+<file path=ppt/slides/slide4.xml><?xml version="1.0" encoding="utf-8"?>
+<p:sld xmlns:a="http://schemas.openxmlformats.org/drawingml/2006/main" xmlns:r="http://schemas.openxmlformats.org/officeDocument/2006/relationships" xmlns:p="http://schemas.openxmlformats.org/presentationml/2006/main">
+  <p:cSld>
+    <p:spTree>
+      <p:nvGrpSpPr>
+        <p:cNvPr id="1" name="">
+          <a:extLst>
+            <a:ext uri="{FF2B5EF4-FFF2-40B4-BE49-F238E27FC236}">
+              <a16:creationId xmlns:a16="http://schemas.microsoft.com/office/drawing/2014/main" id="{58543F66-7480-37AD-8F2C-2CCACD2C5C34}"/>
+            </a:ext>
+          </a:extLst>
+        </p:cNvPr>
+        <p:cNvGrpSpPr/>
+        <p:nvPr/>
+      </p:nvGrpSpPr>
+      <p:grpSpPr>
+        <a:xfrm>
+          <a:off x="0" y="0"/>
+          <a:ext cx="0" cy="0"/>
+          <a:chOff x="0" y="0"/>
+          <a:chExt cx="0" cy="0"/>
+        </a:xfrm>
+      </p:grpSpPr>
+      <p:sp>
+        <p:nvSpPr>
+          <p:cNvPr id="4" name="Retângulo: Cantos Arredondados 3">
+            <a:extLst>
+              <a:ext uri="{FF2B5EF4-FFF2-40B4-BE49-F238E27FC236}">
+                <a16:creationId xmlns:a16="http://schemas.microsoft.com/office/drawing/2014/main" id="{6819D332-FF48-CE93-F239-A192F602D65C}"/>
+              </a:ext>
+            </a:extLst>
+          </p:cNvPr>
+          <p:cNvSpPr/>
+          <p:nvPr/>
+        </p:nvSpPr>
+        <p:spPr>
+          <a:xfrm>
+            <a:off x="0" y="-1"/>
+            <a:ext cx="18000663" cy="10799763"/>
+          </a:xfrm>
+          <a:prstGeom prst="roundRect">
+            <a:avLst>
+              <a:gd name="adj" fmla="val 7767"/>
+            </a:avLst>
+          </a:prstGeom>
+          <a:solidFill>
+            <a:srgbClr val="EB7900"/>
+          </a:solidFill>
+          <a:ln w="254000">
+            <a:noFill/>
+          </a:ln>
+        </p:spPr>
+        <p:style>
+          <a:lnRef idx="2">
+            <a:schemeClr val="accent1">
+              <a:shade val="15000"/>
+            </a:schemeClr>
+          </a:lnRef>
+          <a:fillRef idx="1">
+            <a:schemeClr val="accent1"/>
+          </a:fillRef>
+          <a:effectRef idx="0">
+            <a:schemeClr val="accent1"/>
+          </a:effectRef>
+          <a:fontRef idx="minor">
+            <a:schemeClr val="lt1"/>
+          </a:fontRef>
+        </p:style>
+        <p:txBody>
+          <a:bodyPr rtlCol="0" anchor="ctr"/>
+          <a:lstStyle/>
+          <a:p>
+            <a:pPr algn="ctr"/>
+            <a:endParaRPr lang="pt-BR" dirty="0"/>
+          </a:p>
+        </p:txBody>
+      </p:sp>
+    </p:spTree>
+    <p:extLst>
+      <p:ext uri="{BB962C8B-B14F-4D97-AF65-F5344CB8AC3E}">
+        <p14:creationId xmlns:p14="http://schemas.microsoft.com/office/powerpoint/2010/main" val="3817689040"/>
+      </p:ext>
+    </p:extLst>
+  </p:cSld>
+  <p:clrMapOvr>
+    <a:masterClrMapping/>
+  </p:clrMapOvr>
+  <p:timing>
+    <p:tnLst>
+      <p:par>
+        <p:cTn id="1" dur="indefinite" restart="never" nodeType="tmRoot">
+          <p:childTnLst>
+            <p:seq concurrent="1" nextAc="seek">
+              <p:cTn id="2" dur="indefinite" nodeType="mainSeq">
+                <p:childTnLst>
+                  <p:par>
+                    <p:cTn id="3" fill="hold">
+                      <p:stCondLst>
+                        <p:cond delay="indefinite"/>
+                      </p:stCondLst>
+                      <p:childTnLst>
+                        <p:par>
+                          <p:cTn id="4" fill="hold">
+                            <p:stCondLst>
+                              <p:cond delay="0"/>
+                            </p:stCondLst>
+                            <p:childTnLst>
+                              <p:par>
+                                <p:cTn id="5" presetID="1" presetClass="entr" presetSubtype="0" fill="hold" grpId="0" nodeType="clickEffect">
+                                  <p:stCondLst>
+                                    <p:cond delay="0"/>
+                                  </p:stCondLst>
+                                  <p:childTnLst>
+                                    <p:set>
+                                      <p:cBhvr>
+                                        <p:cTn id="6" dur="1" fill="hold">
+                                          <p:stCondLst>
+                                            <p:cond delay="0"/>
+                                          </p:stCondLst>
+                                        </p:cTn>
+                                        <p:tgtEl>
+                                          <p:spTgt spid="4"/>
+                                        </p:tgtEl>
+                                        <p:attrNameLst>
+                                          <p:attrName>style.visibility</p:attrName>
+                                        </p:attrNameLst>
+                                      </p:cBhvr>
+                                      <p:to>
+                                        <p:strVal val="visible"/>
+                                      </p:to>
+                                    </p:set>
+                                  </p:childTnLst>
+                                </p:cTn>
+                              </p:par>
+                            </p:childTnLst>
+                          </p:cTn>
+                        </p:par>
+                      </p:childTnLst>
+                    </p:cTn>
+                  </p:par>
+                </p:childTnLst>
+              </p:cTn>
+              <p:prevCondLst>
+                <p:cond evt="onPrev" delay="0">
+                  <p:tgtEl>
+                    <p:sldTgt/>
+                  </p:tgtEl>
+                </p:cond>
+              </p:prevCondLst>
+              <p:nextCondLst>
+                <p:cond evt="onNext" delay="0">
+                  <p:tgtEl>
+                    <p:sldTgt/>
+                  </p:tgtEl>
+                </p:cond>
+              </p:nextCondLst>
+            </p:seq>
+          </p:childTnLst>
+        </p:cTn>
+      </p:par>
+    </p:tnLst>
+    <p:bldLst>
+      <p:bldP spid="4" grpId="0" animBg="1"/>
+    </p:bldLst>
+  </p:timing>
+</p:sld>
+</file>
+
+<file path=ppt/slides/slide5.xml><?xml version="1.0" encoding="utf-8"?>
+<p:sld xmlns:a="http://schemas.openxmlformats.org/drawingml/2006/main" xmlns:r="http://schemas.openxmlformats.org/officeDocument/2006/relationships" xmlns:p="http://schemas.openxmlformats.org/presentationml/2006/main">
+  <p:cSld>
+    <p:spTree>
+      <p:nvGrpSpPr>
+        <p:cNvPr id="1" name="">
+          <a:extLst>
+            <a:ext uri="{FF2B5EF4-FFF2-40B4-BE49-F238E27FC236}">
+              <a16:creationId xmlns:a16="http://schemas.microsoft.com/office/drawing/2014/main" id="{4F70348A-36CF-DEA9-9C2F-00CB49739688}"/>
+            </a:ext>
+          </a:extLst>
+        </p:cNvPr>
+        <p:cNvGrpSpPr/>
+        <p:nvPr/>
+      </p:nvGrpSpPr>
+      <p:grpSpPr>
+        <a:xfrm>
+          <a:off x="0" y="0"/>
+          <a:ext cx="0" cy="0"/>
+          <a:chOff x="0" y="0"/>
+          <a:chExt cx="0" cy="0"/>
+        </a:xfrm>
+      </p:grpSpPr>
+      <p:sp>
+        <p:nvSpPr>
+          <p:cNvPr id="4" name="Retângulo: Cantos Arredondados 3">
+            <a:extLst>
+              <a:ext uri="{FF2B5EF4-FFF2-40B4-BE49-F238E27FC236}">
+                <a16:creationId xmlns:a16="http://schemas.microsoft.com/office/drawing/2014/main" id="{562B3375-01FE-240A-BE41-90DC492DC152}"/>
+              </a:ext>
+            </a:extLst>
+          </p:cNvPr>
+          <p:cNvSpPr/>
+          <p:nvPr/>
+        </p:nvSpPr>
+        <p:spPr>
+          <a:xfrm>
+            <a:off x="0" y="-1"/>
+            <a:ext cx="18000663" cy="10799763"/>
+          </a:xfrm>
+          <a:prstGeom prst="roundRect">
+            <a:avLst>
+              <a:gd name="adj" fmla="val 7767"/>
+            </a:avLst>
+          </a:prstGeom>
+          <a:solidFill>
+            <a:srgbClr val="EB0039"/>
+          </a:solidFill>
+          <a:ln w="254000">
+            <a:noFill/>
+          </a:ln>
+        </p:spPr>
+        <p:style>
+          <a:lnRef idx="2">
+            <a:schemeClr val="accent1">
+              <a:shade val="15000"/>
+            </a:schemeClr>
+          </a:lnRef>
+          <a:fillRef idx="1">
+            <a:schemeClr val="accent1"/>
+          </a:fillRef>
+          <a:effectRef idx="0">
+            <a:schemeClr val="accent1"/>
+          </a:effectRef>
+          <a:fontRef idx="minor">
+            <a:schemeClr val="lt1"/>
+          </a:fontRef>
+        </p:style>
+        <p:txBody>
+          <a:bodyPr rtlCol="0" anchor="ctr"/>
+          <a:lstStyle/>
+          <a:p>
+            <a:pPr algn="ctr"/>
+            <a:endParaRPr lang="pt-BR" dirty="0"/>
+          </a:p>
+        </p:txBody>
+      </p:sp>
+    </p:spTree>
+    <p:extLst>
+      <p:ext uri="{BB962C8B-B14F-4D97-AF65-F5344CB8AC3E}">
+        <p14:creationId xmlns:p14="http://schemas.microsoft.com/office/powerpoint/2010/main" val="2341217522"/>
+      </p:ext>
+    </p:extLst>
+  </p:cSld>
+  <p:clrMapOvr>
+    <a:masterClrMapping/>
+  </p:clrMapOvr>
+</p:sld>
+</file>
+
 <file path=ppt/theme/theme1.xml><?xml version="1.0" encoding="utf-8"?>
 <a:theme xmlns:a="http://schemas.openxmlformats.org/drawingml/2006/main" name="Tema do Office">
   <a:themeElements>

--- a/Geração de GIFs.pptx
+++ b/Geração de GIFs.pptx
@@ -3442,84 +3442,6 @@
   <p:clrMapOvr>
     <a:masterClrMapping/>
   </p:clrMapOvr>
-  <p:timing>
-    <p:tnLst>
-      <p:par>
-        <p:cTn id="1" dur="indefinite" restart="never" nodeType="tmRoot">
-          <p:childTnLst>
-            <p:seq concurrent="1" nextAc="seek">
-              <p:cTn id="2" dur="indefinite" nodeType="mainSeq">
-                <p:childTnLst>
-                  <p:par>
-                    <p:cTn id="3" fill="hold">
-                      <p:stCondLst>
-                        <p:cond delay="indefinite"/>
-                      </p:stCondLst>
-                      <p:childTnLst>
-                        <p:par>
-                          <p:cTn id="4" fill="hold">
-                            <p:stCondLst>
-                              <p:cond delay="0"/>
-                            </p:stCondLst>
-                            <p:childTnLst>
-                              <p:par>
-                                <p:cTn id="5" presetID="1" presetClass="entr" presetSubtype="0" fill="hold" grpId="0" nodeType="clickEffect">
-                                  <p:stCondLst>
-                                    <p:cond delay="0"/>
-                                  </p:stCondLst>
-                                  <p:childTnLst>
-                                    <p:set>
-                                      <p:cBhvr>
-                                        <p:cTn id="6" dur="1" fill="hold">
-                                          <p:stCondLst>
-                                            <p:cond delay="0"/>
-                                          </p:stCondLst>
-                                        </p:cTn>
-                                        <p:tgtEl>
-                                          <p:spTgt spid="4"/>
-                                        </p:tgtEl>
-                                        <p:attrNameLst>
-                                          <p:attrName>style.visibility</p:attrName>
-                                        </p:attrNameLst>
-                                      </p:cBhvr>
-                                      <p:to>
-                                        <p:strVal val="visible"/>
-                                      </p:to>
-                                    </p:set>
-                                  </p:childTnLst>
-                                </p:cTn>
-                              </p:par>
-                            </p:childTnLst>
-                          </p:cTn>
-                        </p:par>
-                      </p:childTnLst>
-                    </p:cTn>
-                  </p:par>
-                </p:childTnLst>
-              </p:cTn>
-              <p:prevCondLst>
-                <p:cond evt="onPrev" delay="0">
-                  <p:tgtEl>
-                    <p:sldTgt/>
-                  </p:tgtEl>
-                </p:cond>
-              </p:prevCondLst>
-              <p:nextCondLst>
-                <p:cond evt="onNext" delay="0">
-                  <p:tgtEl>
-                    <p:sldTgt/>
-                  </p:tgtEl>
-                </p:cond>
-              </p:nextCondLst>
-            </p:seq>
-          </p:childTnLst>
-        </p:cTn>
-      </p:par>
-    </p:tnLst>
-    <p:bldLst>
-      <p:bldP spid="4" grpId="0" animBg="1"/>
-    </p:bldLst>
-  </p:timing>
 </p:sld>
 </file>
 

--- a/Geração de GIFs.pptx
+++ b/Geração de GIFs.pptx
@@ -10,6 +10,8 @@
     <p:sldId id="258" r:id="rId4"/>
     <p:sldId id="259" r:id="rId5"/>
     <p:sldId id="260" r:id="rId6"/>
+    <p:sldId id="261" r:id="rId7"/>
+    <p:sldId id="262" r:id="rId8"/>
   </p:sldIdLst>
   <p:sldSz cx="18000663" cy="10799763"/>
   <p:notesSz cx="6858000" cy="9144000"/>
@@ -3703,6 +3705,456 @@
 </p:sld>
 </file>
 
+<file path=ppt/slides/slide6.xml><?xml version="1.0" encoding="utf-8"?>
+<p:sld xmlns:a="http://schemas.openxmlformats.org/drawingml/2006/main" xmlns:r="http://schemas.openxmlformats.org/officeDocument/2006/relationships" xmlns:p="http://schemas.openxmlformats.org/presentationml/2006/main">
+  <p:cSld>
+    <p:spTree>
+      <p:nvGrpSpPr>
+        <p:cNvPr id="1" name="">
+          <a:extLst>
+            <a:ext uri="{FF2B5EF4-FFF2-40B4-BE49-F238E27FC236}">
+              <a16:creationId xmlns:a16="http://schemas.microsoft.com/office/drawing/2014/main" id="{D1715534-49F4-2219-E362-54ABB4AB41FC}"/>
+            </a:ext>
+          </a:extLst>
+        </p:cNvPr>
+        <p:cNvGrpSpPr/>
+        <p:nvPr/>
+      </p:nvGrpSpPr>
+      <p:grpSpPr>
+        <a:xfrm>
+          <a:off x="0" y="0"/>
+          <a:ext cx="0" cy="0"/>
+          <a:chOff x="0" y="0"/>
+          <a:chExt cx="0" cy="0"/>
+        </a:xfrm>
+      </p:grpSpPr>
+      <p:grpSp>
+        <p:nvGrpSpPr>
+          <p:cNvPr id="29" name="Agrupar 28">
+            <a:extLst>
+              <a:ext uri="{FF2B5EF4-FFF2-40B4-BE49-F238E27FC236}">
+                <a16:creationId xmlns:a16="http://schemas.microsoft.com/office/drawing/2014/main" id="{FFD96F49-6CBC-5C70-6E9B-A8AAF4A21EBF}"/>
+              </a:ext>
+            </a:extLst>
+          </p:cNvPr>
+          <p:cNvGrpSpPr/>
+          <p:nvPr/>
+        </p:nvGrpSpPr>
+        <p:grpSpPr>
+          <a:xfrm>
+            <a:off x="142875" y="159026"/>
+            <a:ext cx="17730788" cy="10469217"/>
+            <a:chOff x="1" y="159026"/>
+            <a:chExt cx="18000662" cy="10640736"/>
+          </a:xfrm>
+        </p:grpSpPr>
+        <p:sp>
+          <p:nvSpPr>
+            <p:cNvPr id="26" name="Retângulo: Cantos Arredondados 25">
+              <a:extLst>
+                <a:ext uri="{FF2B5EF4-FFF2-40B4-BE49-F238E27FC236}">
+                  <a16:creationId xmlns:a16="http://schemas.microsoft.com/office/drawing/2014/main" id="{C8273391-EA9E-9409-283B-F05C9164BCE5}"/>
+                </a:ext>
+              </a:extLst>
+            </p:cNvPr>
+            <p:cNvSpPr/>
+            <p:nvPr/>
+          </p:nvSpPr>
+          <p:spPr>
+            <a:xfrm>
+              <a:off x="1" y="159026"/>
+              <a:ext cx="18000662" cy="10640736"/>
+            </a:xfrm>
+            <a:prstGeom prst="roundRect">
+              <a:avLst>
+                <a:gd name="adj" fmla="val 5190"/>
+              </a:avLst>
+            </a:prstGeom>
+            <a:noFill/>
+            <a:ln w="254000">
+              <a:solidFill>
+                <a:srgbClr val="EB0039"/>
+              </a:solidFill>
+            </a:ln>
+          </p:spPr>
+          <p:style>
+            <a:lnRef idx="2">
+              <a:schemeClr val="accent1">
+                <a:shade val="15000"/>
+              </a:schemeClr>
+            </a:lnRef>
+            <a:fillRef idx="1">
+              <a:schemeClr val="accent1"/>
+            </a:fillRef>
+            <a:effectRef idx="0">
+              <a:schemeClr val="accent1"/>
+            </a:effectRef>
+            <a:fontRef idx="minor">
+              <a:schemeClr val="lt1"/>
+            </a:fontRef>
+          </p:style>
+          <p:txBody>
+            <a:bodyPr rtlCol="0" anchor="ctr"/>
+            <a:lstStyle/>
+            <a:p>
+              <a:pPr algn="ctr"/>
+              <a:endParaRPr lang="pt-BR" dirty="0"/>
+            </a:p>
+          </p:txBody>
+        </p:sp>
+        <p:pic>
+          <p:nvPicPr>
+            <p:cNvPr id="28" name="Imagem 27" descr="Ícone&#10;&#10;O conteúdo gerado por IA pode estar incorreto.">
+              <a:extLst>
+                <a:ext uri="{FF2B5EF4-FFF2-40B4-BE49-F238E27FC236}">
+                  <a16:creationId xmlns:a16="http://schemas.microsoft.com/office/drawing/2014/main" id="{00943150-66B1-6383-06D1-C4CB7458AC68}"/>
+                </a:ext>
+              </a:extLst>
+            </p:cNvPr>
+            <p:cNvPicPr>
+              <a:picLocks noChangeAspect="1"/>
+            </p:cNvPicPr>
+            <p:nvPr/>
+          </p:nvPicPr>
+          <p:blipFill>
+            <a:blip r:embed="rId2">
+              <a:extLst>
+                <a:ext uri="{28A0092B-C50C-407E-A947-70E740481C1C}">
+                  <a14:useLocalDpi xmlns:a14="http://schemas.microsoft.com/office/drawing/2010/main" val="0"/>
+                </a:ext>
+              </a:extLst>
+            </a:blip>
+            <a:stretch>
+              <a:fillRect/>
+            </a:stretch>
+          </p:blipFill>
+          <p:spPr>
+            <a:xfrm>
+              <a:off x="490049" y="4606995"/>
+              <a:ext cx="3353289" cy="1397702"/>
+            </a:xfrm>
+            <a:prstGeom prst="rect">
+              <a:avLst/>
+            </a:prstGeom>
+            <a:ln>
+              <a:noFill/>
+            </a:ln>
+          </p:spPr>
+        </p:pic>
+      </p:grpSp>
+    </p:spTree>
+    <p:extLst>
+      <p:ext uri="{BB962C8B-B14F-4D97-AF65-F5344CB8AC3E}">
+        <p14:creationId xmlns:p14="http://schemas.microsoft.com/office/powerpoint/2010/main" val="2615102411"/>
+      </p:ext>
+    </p:extLst>
+  </p:cSld>
+  <p:clrMapOvr>
+    <a:masterClrMapping/>
+  </p:clrMapOvr>
+  <p:timing>
+    <p:tnLst>
+      <p:par>
+        <p:cTn id="1" dur="indefinite" restart="never" nodeType="tmRoot">
+          <p:childTnLst>
+            <p:seq concurrent="1" nextAc="seek">
+              <p:cTn id="2" dur="indefinite" nodeType="mainSeq">
+                <p:childTnLst>
+                  <p:par>
+                    <p:cTn id="3" fill="hold">
+                      <p:stCondLst>
+                        <p:cond delay="indefinite"/>
+                      </p:stCondLst>
+                      <p:childTnLst>
+                        <p:par>
+                          <p:cTn id="4" fill="hold">
+                            <p:stCondLst>
+                              <p:cond delay="0"/>
+                            </p:stCondLst>
+                            <p:childTnLst>
+                              <p:par>
+                                <p:cTn id="5" presetID="1" presetClass="entr" presetSubtype="0" fill="hold" nodeType="clickEffect">
+                                  <p:stCondLst>
+                                    <p:cond delay="0"/>
+                                  </p:stCondLst>
+                                  <p:childTnLst>
+                                    <p:set>
+                                      <p:cBhvr>
+                                        <p:cTn id="6" dur="1" fill="hold">
+                                          <p:stCondLst>
+                                            <p:cond delay="0"/>
+                                          </p:stCondLst>
+                                        </p:cTn>
+                                        <p:tgtEl>
+                                          <p:spTgt spid="29"/>
+                                        </p:tgtEl>
+                                        <p:attrNameLst>
+                                          <p:attrName>style.visibility</p:attrName>
+                                        </p:attrNameLst>
+                                      </p:cBhvr>
+                                      <p:to>
+                                        <p:strVal val="visible"/>
+                                      </p:to>
+                                    </p:set>
+                                  </p:childTnLst>
+                                </p:cTn>
+                              </p:par>
+                            </p:childTnLst>
+                          </p:cTn>
+                        </p:par>
+                      </p:childTnLst>
+                    </p:cTn>
+                  </p:par>
+                </p:childTnLst>
+              </p:cTn>
+              <p:prevCondLst>
+                <p:cond evt="onPrev" delay="0">
+                  <p:tgtEl>
+                    <p:sldTgt/>
+                  </p:tgtEl>
+                </p:cond>
+              </p:prevCondLst>
+              <p:nextCondLst>
+                <p:cond evt="onNext" delay="0">
+                  <p:tgtEl>
+                    <p:sldTgt/>
+                  </p:tgtEl>
+                </p:cond>
+              </p:nextCondLst>
+            </p:seq>
+          </p:childTnLst>
+        </p:cTn>
+      </p:par>
+    </p:tnLst>
+  </p:timing>
+</p:sld>
+</file>
+
+<file path=ppt/slides/slide7.xml><?xml version="1.0" encoding="utf-8"?>
+<p:sld xmlns:a="http://schemas.openxmlformats.org/drawingml/2006/main" xmlns:r="http://schemas.openxmlformats.org/officeDocument/2006/relationships" xmlns:p="http://schemas.openxmlformats.org/presentationml/2006/main">
+  <p:cSld>
+    <p:spTree>
+      <p:nvGrpSpPr>
+        <p:cNvPr id="1" name="">
+          <a:extLst>
+            <a:ext uri="{FF2B5EF4-FFF2-40B4-BE49-F238E27FC236}">
+              <a16:creationId xmlns:a16="http://schemas.microsoft.com/office/drawing/2014/main" id="{785F143C-188F-34AD-875C-2F6658B675EA}"/>
+            </a:ext>
+          </a:extLst>
+        </p:cNvPr>
+        <p:cNvGrpSpPr/>
+        <p:nvPr/>
+      </p:nvGrpSpPr>
+      <p:grpSpPr>
+        <a:xfrm>
+          <a:off x="0" y="0"/>
+          <a:ext cx="0" cy="0"/>
+          <a:chOff x="0" y="0"/>
+          <a:chExt cx="0" cy="0"/>
+        </a:xfrm>
+      </p:grpSpPr>
+      <p:grpSp>
+        <p:nvGrpSpPr>
+          <p:cNvPr id="29" name="Agrupar 28">
+            <a:extLst>
+              <a:ext uri="{FF2B5EF4-FFF2-40B4-BE49-F238E27FC236}">
+                <a16:creationId xmlns:a16="http://schemas.microsoft.com/office/drawing/2014/main" id="{2324429D-BD48-F725-59C9-922B23420B6C}"/>
+              </a:ext>
+            </a:extLst>
+          </p:cNvPr>
+          <p:cNvGrpSpPr/>
+          <p:nvPr/>
+        </p:nvGrpSpPr>
+        <p:grpSpPr>
+          <a:xfrm>
+            <a:off x="142875" y="159026"/>
+            <a:ext cx="17730788" cy="10469217"/>
+            <a:chOff x="1" y="159026"/>
+            <a:chExt cx="18000662" cy="10640736"/>
+          </a:xfrm>
+        </p:grpSpPr>
+        <p:sp>
+          <p:nvSpPr>
+            <p:cNvPr id="26" name="Retângulo: Cantos Arredondados 25">
+              <a:extLst>
+                <a:ext uri="{FF2B5EF4-FFF2-40B4-BE49-F238E27FC236}">
+                  <a16:creationId xmlns:a16="http://schemas.microsoft.com/office/drawing/2014/main" id="{3F1ECC91-C9E4-39D5-BE84-E634724E7664}"/>
+                </a:ext>
+              </a:extLst>
+            </p:cNvPr>
+            <p:cNvSpPr/>
+            <p:nvPr/>
+          </p:nvSpPr>
+          <p:spPr>
+            <a:xfrm>
+              <a:off x="1" y="159026"/>
+              <a:ext cx="18000662" cy="10640736"/>
+            </a:xfrm>
+            <a:prstGeom prst="roundRect">
+              <a:avLst>
+                <a:gd name="adj" fmla="val 5190"/>
+              </a:avLst>
+            </a:prstGeom>
+            <a:noFill/>
+            <a:ln w="254000">
+              <a:solidFill>
+                <a:srgbClr val="FBBC04"/>
+              </a:solidFill>
+            </a:ln>
+          </p:spPr>
+          <p:style>
+            <a:lnRef idx="2">
+              <a:schemeClr val="accent1">
+                <a:shade val="15000"/>
+              </a:schemeClr>
+            </a:lnRef>
+            <a:fillRef idx="1">
+              <a:schemeClr val="accent1"/>
+            </a:fillRef>
+            <a:effectRef idx="0">
+              <a:schemeClr val="accent1"/>
+            </a:effectRef>
+            <a:fontRef idx="minor">
+              <a:schemeClr val="lt1"/>
+            </a:fontRef>
+          </p:style>
+          <p:txBody>
+            <a:bodyPr rtlCol="0" anchor="ctr"/>
+            <a:lstStyle/>
+            <a:p>
+              <a:pPr algn="ctr"/>
+              <a:endParaRPr lang="pt-BR" dirty="0"/>
+            </a:p>
+          </p:txBody>
+        </p:sp>
+        <p:pic>
+          <p:nvPicPr>
+            <p:cNvPr id="28" name="Imagem 27" descr="Ícone&#10;&#10;O conteúdo gerado por IA pode estar incorreto.">
+              <a:extLst>
+                <a:ext uri="{FF2B5EF4-FFF2-40B4-BE49-F238E27FC236}">
+                  <a16:creationId xmlns:a16="http://schemas.microsoft.com/office/drawing/2014/main" id="{40403CCB-FF88-04D3-5E5B-097A6E659858}"/>
+                </a:ext>
+              </a:extLst>
+            </p:cNvPr>
+            <p:cNvPicPr>
+              <a:picLocks noChangeAspect="1"/>
+            </p:cNvPicPr>
+            <p:nvPr/>
+          </p:nvPicPr>
+          <p:blipFill>
+            <a:blip r:embed="rId2">
+              <a:extLst>
+                <a:ext uri="{28A0092B-C50C-407E-A947-70E740481C1C}">
+                  <a14:useLocalDpi xmlns:a14="http://schemas.microsoft.com/office/drawing/2010/main" val="0"/>
+                </a:ext>
+              </a:extLst>
+            </a:blip>
+            <a:stretch>
+              <a:fillRect/>
+            </a:stretch>
+          </p:blipFill>
+          <p:spPr>
+            <a:xfrm>
+              <a:off x="490049" y="4606995"/>
+              <a:ext cx="3353289" cy="1397702"/>
+            </a:xfrm>
+            <a:prstGeom prst="rect">
+              <a:avLst/>
+            </a:prstGeom>
+            <a:ln>
+              <a:noFill/>
+            </a:ln>
+          </p:spPr>
+        </p:pic>
+      </p:grpSp>
+    </p:spTree>
+    <p:extLst>
+      <p:ext uri="{BB962C8B-B14F-4D97-AF65-F5344CB8AC3E}">
+        <p14:creationId xmlns:p14="http://schemas.microsoft.com/office/powerpoint/2010/main" val="802188076"/>
+      </p:ext>
+    </p:extLst>
+  </p:cSld>
+  <p:clrMapOvr>
+    <a:masterClrMapping/>
+  </p:clrMapOvr>
+  <p:timing>
+    <p:tnLst>
+      <p:par>
+        <p:cTn id="1" dur="indefinite" restart="never" nodeType="tmRoot">
+          <p:childTnLst>
+            <p:seq concurrent="1" nextAc="seek">
+              <p:cTn id="2" dur="indefinite" nodeType="mainSeq">
+                <p:childTnLst>
+                  <p:par>
+                    <p:cTn id="3" fill="hold">
+                      <p:stCondLst>
+                        <p:cond delay="indefinite"/>
+                      </p:stCondLst>
+                      <p:childTnLst>
+                        <p:par>
+                          <p:cTn id="4" fill="hold">
+                            <p:stCondLst>
+                              <p:cond delay="0"/>
+                            </p:stCondLst>
+                            <p:childTnLst>
+                              <p:par>
+                                <p:cTn id="5" presetID="1" presetClass="entr" presetSubtype="0" fill="hold" nodeType="clickEffect">
+                                  <p:stCondLst>
+                                    <p:cond delay="0"/>
+                                  </p:stCondLst>
+                                  <p:childTnLst>
+                                    <p:set>
+                                      <p:cBhvr>
+                                        <p:cTn id="6" dur="1" fill="hold">
+                                          <p:stCondLst>
+                                            <p:cond delay="0"/>
+                                          </p:stCondLst>
+                                        </p:cTn>
+                                        <p:tgtEl>
+                                          <p:spTgt spid="29"/>
+                                        </p:tgtEl>
+                                        <p:attrNameLst>
+                                          <p:attrName>style.visibility</p:attrName>
+                                        </p:attrNameLst>
+                                      </p:cBhvr>
+                                      <p:to>
+                                        <p:strVal val="visible"/>
+                                      </p:to>
+                                    </p:set>
+                                  </p:childTnLst>
+                                </p:cTn>
+                              </p:par>
+                            </p:childTnLst>
+                          </p:cTn>
+                        </p:par>
+                      </p:childTnLst>
+                    </p:cTn>
+                  </p:par>
+                </p:childTnLst>
+              </p:cTn>
+              <p:prevCondLst>
+                <p:cond evt="onPrev" delay="0">
+                  <p:tgtEl>
+                    <p:sldTgt/>
+                  </p:tgtEl>
+                </p:cond>
+              </p:prevCondLst>
+              <p:nextCondLst>
+                <p:cond evt="onNext" delay="0">
+                  <p:tgtEl>
+                    <p:sldTgt/>
+                  </p:tgtEl>
+                </p:cond>
+              </p:nextCondLst>
+            </p:seq>
+          </p:childTnLst>
+        </p:cTn>
+      </p:par>
+    </p:tnLst>
+  </p:timing>
+</p:sld>
+</file>
+
 <file path=ppt/theme/theme1.xml><?xml version="1.0" encoding="utf-8"?>
 <a:theme xmlns:a="http://schemas.openxmlformats.org/drawingml/2006/main" name="Tema do Office">
   <a:themeElements>
